--- a/NIDA_Expts/Experiments/20210114_SummaryResults_ForGeoff.pptx
+++ b/NIDA_Expts/Experiments/20210114_SummaryResults_ForGeoff.pptx
@@ -9,9 +9,11 @@
     <p:sldId id="257" r:id="rId3"/>
     <p:sldId id="258" r:id="rId4"/>
     <p:sldId id="259" r:id="rId5"/>
-    <p:sldId id="260" r:id="rId6"/>
-    <p:sldId id="261" r:id="rId7"/>
-    <p:sldId id="262" r:id="rId8"/>
+    <p:sldId id="264" r:id="rId6"/>
+    <p:sldId id="260" r:id="rId7"/>
+    <p:sldId id="261" r:id="rId8"/>
+    <p:sldId id="263" r:id="rId9"/>
+    <p:sldId id="262" r:id="rId10"/>
   </p:sldIdLst>
   <p:sldSz cx="12192000" cy="6858000"/>
   <p:notesSz cx="6858000" cy="9144000"/>
@@ -110,6 +112,11 @@
       </a:defRPr>
     </a:lvl9pPr>
   </p:defaultTextStyle>
+  <p:extLst>
+    <p:ext uri="{EFAFB233-063F-42B5-8137-9DF3F51BA10A}">
+      <p15:sldGuideLst xmlns:p15="http://schemas.microsoft.com/office/powerpoint/2012/main"/>
+    </p:ext>
+  </p:extLst>
 </p:presentation>
 </file>
 
@@ -260,7 +267,7 @@
           <a:p>
             <a:fld id="{9092BCEF-3FA7-4780-85D5-3E3D154AA89D}" type="datetimeFigureOut">
               <a:rPr lang="en-US" smtClean="0"/>
-              <a:t>1/14/2021</a:t>
+              <a:t>15-Jan-21</a:t>
             </a:fld>
             <a:endParaRPr lang="en-US"/>
           </a:p>
@@ -458,7 +465,7 @@
           <a:p>
             <a:fld id="{9092BCEF-3FA7-4780-85D5-3E3D154AA89D}" type="datetimeFigureOut">
               <a:rPr lang="en-US" smtClean="0"/>
-              <a:t>1/14/2021</a:t>
+              <a:t>15-Jan-21</a:t>
             </a:fld>
             <a:endParaRPr lang="en-US"/>
           </a:p>
@@ -666,7 +673,7 @@
           <a:p>
             <a:fld id="{9092BCEF-3FA7-4780-85D5-3E3D154AA89D}" type="datetimeFigureOut">
               <a:rPr lang="en-US" smtClean="0"/>
-              <a:t>1/14/2021</a:t>
+              <a:t>15-Jan-21</a:t>
             </a:fld>
             <a:endParaRPr lang="en-US"/>
           </a:p>
@@ -864,7 +871,7 @@
           <a:p>
             <a:fld id="{9092BCEF-3FA7-4780-85D5-3E3D154AA89D}" type="datetimeFigureOut">
               <a:rPr lang="en-US" smtClean="0"/>
-              <a:t>1/14/2021</a:t>
+              <a:t>15-Jan-21</a:t>
             </a:fld>
             <a:endParaRPr lang="en-US"/>
           </a:p>
@@ -1139,7 +1146,7 @@
           <a:p>
             <a:fld id="{9092BCEF-3FA7-4780-85D5-3E3D154AA89D}" type="datetimeFigureOut">
               <a:rPr lang="en-US" smtClean="0"/>
-              <a:t>1/14/2021</a:t>
+              <a:t>15-Jan-21</a:t>
             </a:fld>
             <a:endParaRPr lang="en-US"/>
           </a:p>
@@ -1404,7 +1411,7 @@
           <a:p>
             <a:fld id="{9092BCEF-3FA7-4780-85D5-3E3D154AA89D}" type="datetimeFigureOut">
               <a:rPr lang="en-US" smtClean="0"/>
-              <a:t>1/14/2021</a:t>
+              <a:t>15-Jan-21</a:t>
             </a:fld>
             <a:endParaRPr lang="en-US"/>
           </a:p>
@@ -1816,7 +1823,7 @@
           <a:p>
             <a:fld id="{9092BCEF-3FA7-4780-85D5-3E3D154AA89D}" type="datetimeFigureOut">
               <a:rPr lang="en-US" smtClean="0"/>
-              <a:t>1/14/2021</a:t>
+              <a:t>15-Jan-21</a:t>
             </a:fld>
             <a:endParaRPr lang="en-US"/>
           </a:p>
@@ -1957,7 +1964,7 @@
           <a:p>
             <a:fld id="{9092BCEF-3FA7-4780-85D5-3E3D154AA89D}" type="datetimeFigureOut">
               <a:rPr lang="en-US" smtClean="0"/>
-              <a:t>1/14/2021</a:t>
+              <a:t>15-Jan-21</a:t>
             </a:fld>
             <a:endParaRPr lang="en-US"/>
           </a:p>
@@ -2070,7 +2077,7 @@
           <a:p>
             <a:fld id="{9092BCEF-3FA7-4780-85D5-3E3D154AA89D}" type="datetimeFigureOut">
               <a:rPr lang="en-US" smtClean="0"/>
-              <a:t>1/14/2021</a:t>
+              <a:t>15-Jan-21</a:t>
             </a:fld>
             <a:endParaRPr lang="en-US"/>
           </a:p>
@@ -2381,7 +2388,7 @@
           <a:p>
             <a:fld id="{9092BCEF-3FA7-4780-85D5-3E3D154AA89D}" type="datetimeFigureOut">
               <a:rPr lang="en-US" smtClean="0"/>
-              <a:t>1/14/2021</a:t>
+              <a:t>15-Jan-21</a:t>
             </a:fld>
             <a:endParaRPr lang="en-US"/>
           </a:p>
@@ -2669,7 +2676,7 @@
           <a:p>
             <a:fld id="{9092BCEF-3FA7-4780-85D5-3E3D154AA89D}" type="datetimeFigureOut">
               <a:rPr lang="en-US" smtClean="0"/>
-              <a:t>1/14/2021</a:t>
+              <a:t>15-Jan-21</a:t>
             </a:fld>
             <a:endParaRPr lang="en-US"/>
           </a:p>
@@ -2910,7 +2917,7 @@
           <a:p>
             <a:fld id="{9092BCEF-3FA7-4780-85D5-3E3D154AA89D}" type="datetimeFigureOut">
               <a:rPr lang="en-US" smtClean="0"/>
-              <a:t>1/14/2021</a:t>
+              <a:t>15-Jan-21</a:t>
             </a:fld>
             <a:endParaRPr lang="en-US"/>
           </a:p>
@@ -3627,6 +3634,90 @@
           <a:chExt cx="0" cy="0"/>
         </a:xfrm>
       </p:grpSpPr>
+      <p:sp>
+        <p:nvSpPr>
+          <p:cNvPr id="2" name="Title 1">
+            <a:extLst>
+              <a:ext uri="{FF2B5EF4-FFF2-40B4-BE49-F238E27FC236}">
+                <a16:creationId xmlns:a16="http://schemas.microsoft.com/office/drawing/2014/main" id="{A6467C98-05C9-47C4-B767-A88DB74325EC}"/>
+              </a:ext>
+            </a:extLst>
+          </p:cNvPr>
+          <p:cNvSpPr>
+            <a:spLocks noGrp="1"/>
+          </p:cNvSpPr>
+          <p:nvPr>
+            <p:ph type="title"/>
+          </p:nvPr>
+        </p:nvSpPr>
+        <p:spPr/>
+        <p:txBody>
+          <a:bodyPr/>
+          <a:lstStyle/>
+          <a:p>
+            <a:r>
+              <a:rPr lang="en-US"/>
+              <a:t>Conditioned Reinforcement</a:t>
+            </a:r>
+            <a:endParaRPr lang="en-US" dirty="0"/>
+          </a:p>
+        </p:txBody>
+      </p:sp>
+      <p:sp>
+        <p:nvSpPr>
+          <p:cNvPr id="3" name="Content Placeholder 2">
+            <a:extLst>
+              <a:ext uri="{FF2B5EF4-FFF2-40B4-BE49-F238E27FC236}">
+                <a16:creationId xmlns:a16="http://schemas.microsoft.com/office/drawing/2014/main" id="{56FC6D74-66BA-4310-87BF-5201807FCAEC}"/>
+              </a:ext>
+            </a:extLst>
+          </p:cNvPr>
+          <p:cNvSpPr>
+            <a:spLocks noGrp="1"/>
+          </p:cNvSpPr>
+          <p:nvPr>
+            <p:ph idx="1"/>
+          </p:nvPr>
+        </p:nvSpPr>
+        <p:spPr/>
+        <p:txBody>
+          <a:bodyPr/>
+          <a:lstStyle/>
+          <a:p>
+            <a:endParaRPr lang="en-US"/>
+          </a:p>
+        </p:txBody>
+      </p:sp>
+    </p:spTree>
+    <p:extLst>
+      <p:ext uri="{BB962C8B-B14F-4D97-AF65-F5344CB8AC3E}">
+        <p14:creationId xmlns:p14="http://schemas.microsoft.com/office/powerpoint/2010/main" val="3855815568"/>
+      </p:ext>
+    </p:extLst>
+  </p:cSld>
+  <p:clrMapOvr>
+    <a:masterClrMapping/>
+  </p:clrMapOvr>
+</p:sld>
+</file>
+
+<file path=ppt/slides/slide6.xml><?xml version="1.0" encoding="utf-8"?>
+<p:sld xmlns:a="http://schemas.openxmlformats.org/drawingml/2006/main" xmlns:r="http://schemas.openxmlformats.org/officeDocument/2006/relationships" xmlns:p="http://schemas.openxmlformats.org/presentationml/2006/main">
+  <p:cSld>
+    <p:spTree>
+      <p:nvGrpSpPr>
+        <p:cNvPr id="1" name=""/>
+        <p:cNvGrpSpPr/>
+        <p:nvPr/>
+      </p:nvGrpSpPr>
+      <p:grpSpPr>
+        <a:xfrm>
+          <a:off x="0" y="0"/>
+          <a:ext cx="0" cy="0"/>
+          <a:chOff x="0" y="0"/>
+          <a:chExt cx="0" cy="0"/>
+        </a:xfrm>
+      </p:grpSpPr>
       <p:pic>
         <p:nvPicPr>
           <p:cNvPr id="5" name="Picture 4">
@@ -3676,7 +3767,7 @@
 </p:sld>
 </file>
 
-<file path=ppt/slides/slide6.xml><?xml version="1.0" encoding="utf-8"?>
+<file path=ppt/slides/slide7.xml><?xml version="1.0" encoding="utf-8"?>
 <p:sld xmlns:a="http://schemas.openxmlformats.org/drawingml/2006/main" xmlns:r="http://schemas.openxmlformats.org/officeDocument/2006/relationships" xmlns:p="http://schemas.openxmlformats.org/presentationml/2006/main">
   <p:cSld>
     <p:spTree>
@@ -3729,6 +3820,54 @@
           </a:prstGeom>
         </p:spPr>
       </p:pic>
+      <p:sp>
+        <p:nvSpPr>
+          <p:cNvPr id="2" name="Rectangle 1">
+            <a:extLst>
+              <a:ext uri="{FF2B5EF4-FFF2-40B4-BE49-F238E27FC236}">
+                <a16:creationId xmlns:a16="http://schemas.microsoft.com/office/drawing/2014/main" id="{EFF99339-8FCD-4881-9C86-A6B327B3524C}"/>
+              </a:ext>
+            </a:extLst>
+          </p:cNvPr>
+          <p:cNvSpPr/>
+          <p:nvPr/>
+        </p:nvSpPr>
+        <p:spPr>
+          <a:xfrm rot="18965594">
+            <a:off x="-547229" y="1103024"/>
+            <a:ext cx="4675126" cy="923330"/>
+          </a:xfrm>
+          <a:prstGeom prst="rect">
+            <a:avLst/>
+          </a:prstGeom>
+          <a:noFill/>
+        </p:spPr>
+        <p:txBody>
+          <a:bodyPr wrap="none" lIns="91440" tIns="45720" rIns="91440" bIns="45720">
+            <a:spAutoFit/>
+          </a:bodyPr>
+          <a:lstStyle/>
+          <a:p>
+            <a:pPr algn="ctr"/>
+            <a:r>
+              <a:rPr lang="en-US" sz="5400" b="0" cap="none" spc="0" dirty="0">
+                <a:ln w="0"/>
+                <a:solidFill>
+                  <a:schemeClr val="tx1"/>
+                </a:solidFill>
+                <a:effectLst>
+                  <a:outerShdw blurRad="38100" dist="19050" dir="2700000" algn="tl" rotWithShape="0">
+                    <a:schemeClr val="dk1">
+                      <a:alpha val="40000"/>
+                    </a:schemeClr>
+                  </a:outerShdw>
+                </a:effectLst>
+              </a:rPr>
+              <a:t>No Exclusions….</a:t>
+            </a:r>
+          </a:p>
+        </p:txBody>
+      </p:sp>
     </p:spTree>
     <p:extLst>
       <p:ext uri="{BB962C8B-B14F-4D97-AF65-F5344CB8AC3E}">
@@ -3742,7 +3881,109 @@
 </p:sld>
 </file>
 
-<file path=ppt/slides/slide7.xml><?xml version="1.0" encoding="utf-8"?>
+<file path=ppt/slides/slide8.xml><?xml version="1.0" encoding="utf-8"?>
+<p:sld xmlns:a="http://schemas.openxmlformats.org/drawingml/2006/main" xmlns:r="http://schemas.openxmlformats.org/officeDocument/2006/relationships" xmlns:p="http://schemas.openxmlformats.org/presentationml/2006/main">
+  <p:cSld>
+    <p:spTree>
+      <p:nvGrpSpPr>
+        <p:cNvPr id="1" name=""/>
+        <p:cNvGrpSpPr/>
+        <p:nvPr/>
+      </p:nvGrpSpPr>
+      <p:grpSpPr>
+        <a:xfrm>
+          <a:off x="0" y="0"/>
+          <a:ext cx="0" cy="0"/>
+          <a:chOff x="0" y="0"/>
+          <a:chExt cx="0" cy="0"/>
+        </a:xfrm>
+      </p:grpSpPr>
+      <p:pic>
+        <p:nvPicPr>
+          <p:cNvPr id="5" name="Picture 4">
+            <a:extLst>
+              <a:ext uri="{FF2B5EF4-FFF2-40B4-BE49-F238E27FC236}">
+                <a16:creationId xmlns:a16="http://schemas.microsoft.com/office/drawing/2014/main" id="{5F6ED0D7-1DC9-4127-880D-24B2609533F0}"/>
+              </a:ext>
+            </a:extLst>
+          </p:cNvPr>
+          <p:cNvPicPr>
+            <a:picLocks noChangeAspect="1"/>
+          </p:cNvPicPr>
+          <p:nvPr/>
+        </p:nvPicPr>
+        <p:blipFill>
+          <a:blip r:embed="rId2">
+            <a:extLst>
+              <a:ext uri="{28A0092B-C50C-407E-A947-70E740481C1C}">
+                <a14:useLocalDpi xmlns:a14="http://schemas.microsoft.com/office/drawing/2010/main" val="0"/>
+              </a:ext>
+            </a:extLst>
+          </a:blip>
+          <a:stretch>
+            <a:fillRect/>
+          </a:stretch>
+        </p:blipFill>
+        <p:spPr>
+          <a:xfrm>
+            <a:off x="783534" y="549015"/>
+            <a:ext cx="5759970" cy="5759970"/>
+          </a:xfrm>
+          <a:prstGeom prst="rect">
+            <a:avLst/>
+          </a:prstGeom>
+        </p:spPr>
+      </p:pic>
+      <p:pic>
+        <p:nvPicPr>
+          <p:cNvPr id="7" name="Picture 6" descr="Chart, box and whisker chart&#10;&#10;Description automatically generated">
+            <a:extLst>
+              <a:ext uri="{FF2B5EF4-FFF2-40B4-BE49-F238E27FC236}">
+                <a16:creationId xmlns:a16="http://schemas.microsoft.com/office/drawing/2014/main" id="{F122A0F0-F796-4147-B7F9-A77B49EB5DFF}"/>
+              </a:ext>
+            </a:extLst>
+          </p:cNvPr>
+          <p:cNvPicPr>
+            <a:picLocks noChangeAspect="1"/>
+          </p:cNvPicPr>
+          <p:nvPr/>
+        </p:nvPicPr>
+        <p:blipFill>
+          <a:blip r:embed="rId3">
+            <a:extLst>
+              <a:ext uri="{28A0092B-C50C-407E-A947-70E740481C1C}">
+                <a14:useLocalDpi xmlns:a14="http://schemas.microsoft.com/office/drawing/2010/main" val="0"/>
+              </a:ext>
+            </a:extLst>
+          </a:blip>
+          <a:stretch>
+            <a:fillRect/>
+          </a:stretch>
+        </p:blipFill>
+        <p:spPr>
+          <a:xfrm>
+            <a:off x="7496051" y="549015"/>
+            <a:ext cx="4319787" cy="5759970"/>
+          </a:xfrm>
+          <a:prstGeom prst="rect">
+            <a:avLst/>
+          </a:prstGeom>
+        </p:spPr>
+      </p:pic>
+    </p:spTree>
+    <p:extLst>
+      <p:ext uri="{BB962C8B-B14F-4D97-AF65-F5344CB8AC3E}">
+        <p14:creationId xmlns:p14="http://schemas.microsoft.com/office/powerpoint/2010/main" val="1254184757"/>
+      </p:ext>
+    </p:extLst>
+  </p:cSld>
+  <p:clrMapOvr>
+    <a:masterClrMapping/>
+  </p:clrMapOvr>
+</p:sld>
+</file>
+
+<file path=ppt/slides/slide9.xml><?xml version="1.0" encoding="utf-8"?>
 <p:sld xmlns:a="http://schemas.openxmlformats.org/drawingml/2006/main" xmlns:r="http://schemas.openxmlformats.org/officeDocument/2006/relationships" xmlns:p="http://schemas.openxmlformats.org/presentationml/2006/main">
   <p:cSld>
     <p:spTree>
